--- a/1016capston.pptx
+++ b/1016capston.pptx
@@ -14639,7 +14639,7 @@
             <a:fld id="{65771C21-3757-4199-83DE-22960358A2A5}" type="datetimeFigureOut">
               <a:rPr lang="ko-KR" altLang="en-US" smtClean="0"/>
               <a:pPr/>
-              <a:t>2019-10-16</a:t>
+              <a:t>2019-10-29</a:t>
             </a:fld>
             <a:endParaRPr lang="ko-KR" altLang="en-US"/>
           </a:p>
@@ -17183,7 +17183,7 @@
             <a:fld id="{A22FE722-38C7-4231-8BB5-7A27D4E5977D}" type="datetimeFigureOut">
               <a:rPr lang="ko-KR" altLang="en-US" smtClean="0"/>
               <a:pPr/>
-              <a:t>2019-10-16</a:t>
+              <a:t>2019-10-29</a:t>
             </a:fld>
             <a:endParaRPr lang="ko-KR" altLang="en-US"/>
           </a:p>
@@ -17348,7 +17348,7 @@
             <a:fld id="{A22FE722-38C7-4231-8BB5-7A27D4E5977D}" type="datetimeFigureOut">
               <a:rPr lang="ko-KR" altLang="en-US" smtClean="0"/>
               <a:pPr/>
-              <a:t>2019-10-16</a:t>
+              <a:t>2019-10-29</a:t>
             </a:fld>
             <a:endParaRPr lang="ko-KR" altLang="en-US"/>
           </a:p>
@@ -17523,7 +17523,7 @@
             <a:fld id="{A22FE722-38C7-4231-8BB5-7A27D4E5977D}" type="datetimeFigureOut">
               <a:rPr lang="ko-KR" altLang="en-US" smtClean="0"/>
               <a:pPr/>
-              <a:t>2019-10-16</a:t>
+              <a:t>2019-10-29</a:t>
             </a:fld>
             <a:endParaRPr lang="ko-KR" altLang="en-US"/>
           </a:p>
@@ -17688,7 +17688,7 @@
             <a:fld id="{A22FE722-38C7-4231-8BB5-7A27D4E5977D}" type="datetimeFigureOut">
               <a:rPr lang="ko-KR" altLang="en-US" smtClean="0"/>
               <a:pPr/>
-              <a:t>2019-10-16</a:t>
+              <a:t>2019-10-29</a:t>
             </a:fld>
             <a:endParaRPr lang="ko-KR" altLang="en-US"/>
           </a:p>
@@ -17930,7 +17930,7 @@
             <a:fld id="{A22FE722-38C7-4231-8BB5-7A27D4E5977D}" type="datetimeFigureOut">
               <a:rPr lang="ko-KR" altLang="en-US" smtClean="0"/>
               <a:pPr/>
-              <a:t>2019-10-16</a:t>
+              <a:t>2019-10-29</a:t>
             </a:fld>
             <a:endParaRPr lang="ko-KR" altLang="en-US"/>
           </a:p>
@@ -18226,7 +18226,7 @@
             <a:fld id="{A22FE722-38C7-4231-8BB5-7A27D4E5977D}" type="datetimeFigureOut">
               <a:rPr lang="ko-KR" altLang="en-US" smtClean="0"/>
               <a:pPr/>
-              <a:t>2019-10-16</a:t>
+              <a:t>2019-10-29</a:t>
             </a:fld>
             <a:endParaRPr lang="ko-KR" altLang="en-US"/>
           </a:p>
@@ -18642,7 +18642,7 @@
             <a:fld id="{A22FE722-38C7-4231-8BB5-7A27D4E5977D}" type="datetimeFigureOut">
               <a:rPr lang="ko-KR" altLang="en-US" smtClean="0"/>
               <a:pPr/>
-              <a:t>2019-10-16</a:t>
+              <a:t>2019-10-29</a:t>
             </a:fld>
             <a:endParaRPr lang="ko-KR" altLang="en-US"/>
           </a:p>
@@ -18756,7 +18756,7 @@
             <a:fld id="{A22FE722-38C7-4231-8BB5-7A27D4E5977D}" type="datetimeFigureOut">
               <a:rPr lang="ko-KR" altLang="en-US" smtClean="0"/>
               <a:pPr/>
-              <a:t>2019-10-16</a:t>
+              <a:t>2019-10-29</a:t>
             </a:fld>
             <a:endParaRPr lang="ko-KR" altLang="en-US"/>
           </a:p>
@@ -18848,7 +18848,7 @@
             <a:fld id="{A22FE722-38C7-4231-8BB5-7A27D4E5977D}" type="datetimeFigureOut">
               <a:rPr lang="ko-KR" altLang="en-US" smtClean="0"/>
               <a:pPr/>
-              <a:t>2019-10-16</a:t>
+              <a:t>2019-10-29</a:t>
             </a:fld>
             <a:endParaRPr lang="ko-KR" altLang="en-US"/>
           </a:p>
@@ -19120,7 +19120,7 @@
             <a:fld id="{A22FE722-38C7-4231-8BB5-7A27D4E5977D}" type="datetimeFigureOut">
               <a:rPr lang="ko-KR" altLang="en-US" smtClean="0"/>
               <a:pPr/>
-              <a:t>2019-10-16</a:t>
+              <a:t>2019-10-29</a:t>
             </a:fld>
             <a:endParaRPr lang="ko-KR" altLang="en-US"/>
           </a:p>
@@ -19369,7 +19369,7 @@
             <a:fld id="{A22FE722-38C7-4231-8BB5-7A27D4E5977D}" type="datetimeFigureOut">
               <a:rPr lang="ko-KR" altLang="en-US" smtClean="0"/>
               <a:pPr/>
-              <a:t>2019-10-16</a:t>
+              <a:t>2019-10-29</a:t>
             </a:fld>
             <a:endParaRPr lang="ko-KR" altLang="en-US"/>
           </a:p>
@@ -19582,7 +19582,7 @@
             <a:fld id="{A22FE722-38C7-4231-8BB5-7A27D4E5977D}" type="datetimeFigureOut">
               <a:rPr lang="ko-KR" altLang="en-US" smtClean="0"/>
               <a:pPr/>
-              <a:t>2019-10-16</a:t>
+              <a:t>2019-10-29</a:t>
             </a:fld>
             <a:endParaRPr lang="ko-KR" altLang="en-US"/>
           </a:p>
@@ -23493,28 +23493,12 @@
           <a:p>
             <a:pPr algn="dist"/>
             <a:r>
-              <a:rPr lang="ko-KR" altLang="en-US" sz="1200">
+              <a:rPr lang="en-US" altLang="ko-KR" sz="1200" dirty="0">
                 <a:solidFill>
                   <a:schemeClr val="bg1"/>
                 </a:solidFill>
               </a:rPr>
-              <a:t>휴먼 </a:t>
-            </a:r>
-            <a:r>
-              <a:rPr lang="en-US" altLang="ko-KR" sz="1200">
-                <a:solidFill>
-                  <a:schemeClr val="bg1"/>
-                </a:solidFill>
-              </a:rPr>
-              <a:t>ICT </a:t>
-            </a:r>
-            <a:r>
-              <a:rPr lang="ko-KR" altLang="en-US" sz="1200">
-                <a:solidFill>
-                  <a:schemeClr val="bg1"/>
-                </a:solidFill>
-              </a:rPr>
-              <a:t>소프트웨어공학</a:t>
+              <a:t>2019 Capstone Design</a:t>
             </a:r>
             <a:endParaRPr lang="ko-KR" altLang="en-US" sz="1200" dirty="0">
               <a:solidFill>
